--- a/lectures/er/er-modeling.pptx
+++ b/lectures/er/er-modeling.pptx
@@ -303,7 +303,7 @@
           <a:p>
             <a:fld id="{11C58AC8-C980-F840-BCE0-4563A28B937F}" type="datetimeFigureOut">
               <a:rPr lang="en-US" smtClean="0"/>
-              <a:t>2/22/22</a:t>
+              <a:t>2/19/24</a:t>
             </a:fld>
             <a:endParaRPr lang="en-US"/>
           </a:p>
@@ -469,7 +469,7 @@
           <a:p>
             <a:fld id="{9E2E554D-B883-2445-8D5D-FD313539B9FC}" type="datetimeFigureOut">
               <a:rPr lang="en-US" smtClean="0"/>
-              <a:t>2/22/22</a:t>
+              <a:t>2/19/24</a:t>
             </a:fld>
             <a:endParaRPr lang="en-US"/>
           </a:p>
@@ -11963,7 +11963,7 @@
           </a:ln>
           <a:extLst>
             <a:ext uri="{909E8E84-426E-40dd-AFC4-6F175D3DCCD1}">
-              <a14:hiddenFill xmlns="" xmlns:a14="http://schemas.microsoft.com/office/drawing/2010/main">
+              <a14:hiddenFill xmlns:a14="http://schemas.microsoft.com/office/drawing/2010/main" xmlns="">
                 <a:noFill/>
               </a14:hiddenFill>
             </a:ext>
@@ -12020,7 +12020,7 @@
             </a:ln>
             <a:extLst>
               <a:ext uri="{909E8E84-426E-40dd-AFC4-6F175D3DCCD1}">
-                <a14:hiddenFill xmlns="" xmlns:a14="http://schemas.microsoft.com/office/drawing/2010/main">
+                <a14:hiddenFill xmlns:a14="http://schemas.microsoft.com/office/drawing/2010/main" xmlns="">
                   <a:noFill/>
                 </a14:hiddenFill>
               </a:ext>
@@ -12061,7 +12061,7 @@
             </a:ln>
             <a:extLst>
               <a:ext uri="{909E8E84-426E-40dd-AFC4-6F175D3DCCD1}">
-                <a14:hiddenFill xmlns="" xmlns:a14="http://schemas.microsoft.com/office/drawing/2010/main">
+                <a14:hiddenFill xmlns:a14="http://schemas.microsoft.com/office/drawing/2010/main" xmlns="">
                   <a:noFill/>
                 </a14:hiddenFill>
               </a:ext>
@@ -12102,7 +12102,7 @@
             </a:ln>
             <a:extLst>
               <a:ext uri="{909E8E84-426E-40dd-AFC4-6F175D3DCCD1}">
-                <a14:hiddenFill xmlns="" xmlns:a14="http://schemas.microsoft.com/office/drawing/2010/main">
+                <a14:hiddenFill xmlns:a14="http://schemas.microsoft.com/office/drawing/2010/main" xmlns="">
                   <a:noFill/>
                 </a14:hiddenFill>
               </a:ext>
@@ -12160,7 +12160,7 @@
             </a:ln>
             <a:extLst>
               <a:ext uri="{909E8E84-426E-40dd-AFC4-6F175D3DCCD1}">
-                <a14:hiddenFill xmlns="" xmlns:a14="http://schemas.microsoft.com/office/drawing/2010/main">
+                <a14:hiddenFill xmlns:a14="http://schemas.microsoft.com/office/drawing/2010/main" xmlns="">
                   <a:noFill/>
                 </a14:hiddenFill>
               </a:ext>
@@ -12201,7 +12201,7 @@
             </a:ln>
             <a:extLst>
               <a:ext uri="{909E8E84-426E-40dd-AFC4-6F175D3DCCD1}">
-                <a14:hiddenFill xmlns="" xmlns:a14="http://schemas.microsoft.com/office/drawing/2010/main">
+                <a14:hiddenFill xmlns:a14="http://schemas.microsoft.com/office/drawing/2010/main" xmlns="">
                   <a:noFill/>
                 </a14:hiddenFill>
               </a:ext>
@@ -12242,7 +12242,7 @@
             </a:ln>
             <a:extLst>
               <a:ext uri="{909E8E84-426E-40dd-AFC4-6F175D3DCCD1}">
-                <a14:hiddenFill xmlns="" xmlns:a14="http://schemas.microsoft.com/office/drawing/2010/main">
+                <a14:hiddenFill xmlns:a14="http://schemas.microsoft.com/office/drawing/2010/main" xmlns="">
                   <a:noFill/>
                 </a14:hiddenFill>
               </a:ext>
@@ -12300,7 +12300,7 @@
             </a:ln>
             <a:extLst>
               <a:ext uri="{909E8E84-426E-40dd-AFC4-6F175D3DCCD1}">
-                <a14:hiddenFill xmlns="" xmlns:a14="http://schemas.microsoft.com/office/drawing/2010/main">
+                <a14:hiddenFill xmlns:a14="http://schemas.microsoft.com/office/drawing/2010/main" xmlns="">
                   <a:noFill/>
                 </a14:hiddenFill>
               </a:ext>
@@ -12341,7 +12341,7 @@
             </a:ln>
             <a:extLst>
               <a:ext uri="{909E8E84-426E-40dd-AFC4-6F175D3DCCD1}">
-                <a14:hiddenFill xmlns="" xmlns:a14="http://schemas.microsoft.com/office/drawing/2010/main">
+                <a14:hiddenFill xmlns:a14="http://schemas.microsoft.com/office/drawing/2010/main" xmlns="">
                   <a:noFill/>
                 </a14:hiddenFill>
               </a:ext>
@@ -12399,7 +12399,7 @@
             </a:ln>
             <a:extLst>
               <a:ext uri="{909E8E84-426E-40dd-AFC4-6F175D3DCCD1}">
-                <a14:hiddenFill xmlns="" xmlns:a14="http://schemas.microsoft.com/office/drawing/2010/main">
+                <a14:hiddenFill xmlns:a14="http://schemas.microsoft.com/office/drawing/2010/main" xmlns="">
                   <a:noFill/>
                 </a14:hiddenFill>
               </a:ext>
@@ -12440,7 +12440,7 @@
             </a:ln>
             <a:extLst>
               <a:ext uri="{909E8E84-426E-40dd-AFC4-6F175D3DCCD1}">
-                <a14:hiddenFill xmlns="" xmlns:a14="http://schemas.microsoft.com/office/drawing/2010/main">
+                <a14:hiddenFill xmlns:a14="http://schemas.microsoft.com/office/drawing/2010/main" xmlns="">
                   <a:noFill/>
                 </a14:hiddenFill>
               </a:ext>
@@ -12498,7 +12498,7 @@
             </a:ln>
             <a:extLst>
               <a:ext uri="{909E8E84-426E-40dd-AFC4-6F175D3DCCD1}">
-                <a14:hiddenFill xmlns="" xmlns:a14="http://schemas.microsoft.com/office/drawing/2010/main">
+                <a14:hiddenFill xmlns:a14="http://schemas.microsoft.com/office/drawing/2010/main" xmlns="">
                   <a:noFill/>
                 </a14:hiddenFill>
               </a:ext>
@@ -12539,7 +12539,7 @@
             </a:ln>
             <a:extLst>
               <a:ext uri="{909E8E84-426E-40dd-AFC4-6F175D3DCCD1}">
-                <a14:hiddenFill xmlns="" xmlns:a14="http://schemas.microsoft.com/office/drawing/2010/main">
+                <a14:hiddenFill xmlns:a14="http://schemas.microsoft.com/office/drawing/2010/main" xmlns="">
                   <a:noFill/>
                 </a14:hiddenFill>
               </a:ext>
@@ -12597,7 +12597,7 @@
             </a:ln>
             <a:extLst>
               <a:ext uri="{909E8E84-426E-40dd-AFC4-6F175D3DCCD1}">
-                <a14:hiddenFill xmlns="" xmlns:a14="http://schemas.microsoft.com/office/drawing/2010/main">
+                <a14:hiddenFill xmlns:a14="http://schemas.microsoft.com/office/drawing/2010/main" xmlns="">
                   <a:noFill/>
                 </a14:hiddenFill>
               </a:ext>
@@ -12638,7 +12638,7 @@
             </a:ln>
             <a:extLst>
               <a:ext uri="{909E8E84-426E-40dd-AFC4-6F175D3DCCD1}">
-                <a14:hiddenFill xmlns="" xmlns:a14="http://schemas.microsoft.com/office/drawing/2010/main">
+                <a14:hiddenFill xmlns:a14="http://schemas.microsoft.com/office/drawing/2010/main" xmlns="">
                   <a:noFill/>
                 </a14:hiddenFill>
               </a:ext>
@@ -12680,7 +12680,7 @@
           </a:ln>
           <a:extLst>
             <a:ext uri="{909E8E84-426E-40dd-AFC4-6F175D3DCCD1}">
-              <a14:hiddenFill xmlns="" xmlns:a14="http://schemas.microsoft.com/office/drawing/2010/main">
+              <a14:hiddenFill xmlns:a14="http://schemas.microsoft.com/office/drawing/2010/main" xmlns="">
                 <a:noFill/>
               </a14:hiddenFill>
             </a:ext>
@@ -12721,7 +12721,7 @@
           </a:ln>
           <a:extLst>
             <a:ext uri="{909E8E84-426E-40dd-AFC4-6F175D3DCCD1}">
-              <a14:hiddenFill xmlns="" xmlns:a14="http://schemas.microsoft.com/office/drawing/2010/main">
+              <a14:hiddenFill xmlns:a14="http://schemas.microsoft.com/office/drawing/2010/main" xmlns="">
                 <a:noFill/>
               </a14:hiddenFill>
             </a:ext>
@@ -12757,14 +12757,14 @@
           </a:ln>
           <a:extLst>
             <a:ext uri="{909E8E84-426E-40dd-AFC4-6F175D3DCCD1}">
-              <a14:hiddenFill xmlns="" xmlns:a14="http://schemas.microsoft.com/office/drawing/2010/main">
+              <a14:hiddenFill xmlns:a14="http://schemas.microsoft.com/office/drawing/2010/main" xmlns="">
                 <a:solidFill>
                   <a:srgbClr val="FFFFFF"/>
                 </a:solidFill>
               </a14:hiddenFill>
             </a:ext>
             <a:ext uri="{91240B29-F687-4f45-9708-019B960494DF}">
-              <a14:hiddenLine xmlns="" xmlns:a14="http://schemas.microsoft.com/office/drawing/2010/main" w="9525">
+              <a14:hiddenLine xmlns:a14="http://schemas.microsoft.com/office/drawing/2010/main" xmlns="" w="9525">
                 <a:solidFill>
                   <a:srgbClr val="000000"/>
                 </a:solidFill>
@@ -13261,7 +13261,7 @@
           </a:ln>
           <a:extLst>
             <a:ext uri="{909E8E84-426E-40dd-AFC4-6F175D3DCCD1}">
-              <a14:hiddenFill xmlns="" xmlns:a14="http://schemas.microsoft.com/office/drawing/2010/main">
+              <a14:hiddenFill xmlns:a14="http://schemas.microsoft.com/office/drawing/2010/main" xmlns="">
                 <a:noFill/>
               </a14:hiddenFill>
             </a:ext>
@@ -13302,7 +13302,7 @@
           </a:ln>
           <a:extLst>
             <a:ext uri="{909E8E84-426E-40dd-AFC4-6F175D3DCCD1}">
-              <a14:hiddenFill xmlns="" xmlns:a14="http://schemas.microsoft.com/office/drawing/2010/main">
+              <a14:hiddenFill xmlns:a14="http://schemas.microsoft.com/office/drawing/2010/main" xmlns="">
                 <a:noFill/>
               </a14:hiddenFill>
             </a:ext>
@@ -13338,14 +13338,14 @@
           </a:ln>
           <a:extLst>
             <a:ext uri="{909E8E84-426E-40dd-AFC4-6F175D3DCCD1}">
-              <a14:hiddenFill xmlns="" xmlns:a14="http://schemas.microsoft.com/office/drawing/2010/main">
+              <a14:hiddenFill xmlns:a14="http://schemas.microsoft.com/office/drawing/2010/main" xmlns="">
                 <a:solidFill>
                   <a:srgbClr val="FFFFFF"/>
                 </a:solidFill>
               </a14:hiddenFill>
             </a:ext>
             <a:ext uri="{91240B29-F687-4f45-9708-019B960494DF}">
-              <a14:hiddenLine xmlns="" xmlns:a14="http://schemas.microsoft.com/office/drawing/2010/main" w="9525">
+              <a14:hiddenLine xmlns:a14="http://schemas.microsoft.com/office/drawing/2010/main" xmlns="" w="9525">
                 <a:solidFill>
                   <a:srgbClr val="000000"/>
                 </a:solidFill>
@@ -13543,7 +13543,7 @@
           </a:ln>
           <a:extLst>
             <a:ext uri="{909E8E84-426E-40dd-AFC4-6F175D3DCCD1}">
-              <a14:hiddenFill xmlns="" xmlns:a14="http://schemas.microsoft.com/office/drawing/2010/main">
+              <a14:hiddenFill xmlns:a14="http://schemas.microsoft.com/office/drawing/2010/main" xmlns="">
                 <a:noFill/>
               </a14:hiddenFill>
             </a:ext>
@@ -13584,7 +13584,7 @@
           </a:ln>
           <a:extLst>
             <a:ext uri="{909E8E84-426E-40dd-AFC4-6F175D3DCCD1}">
-              <a14:hiddenFill xmlns="" xmlns:a14="http://schemas.microsoft.com/office/drawing/2010/main">
+              <a14:hiddenFill xmlns:a14="http://schemas.microsoft.com/office/drawing/2010/main" xmlns="">
                 <a:noFill/>
               </a14:hiddenFill>
             </a:ext>
@@ -13620,14 +13620,14 @@
           </a:ln>
           <a:extLst>
             <a:ext uri="{909E8E84-426E-40dd-AFC4-6F175D3DCCD1}">
-              <a14:hiddenFill xmlns="" xmlns:a14="http://schemas.microsoft.com/office/drawing/2010/main">
+              <a14:hiddenFill xmlns:a14="http://schemas.microsoft.com/office/drawing/2010/main" xmlns="">
                 <a:solidFill>
                   <a:srgbClr val="FFFFFF"/>
                 </a:solidFill>
               </a14:hiddenFill>
             </a:ext>
             <a:ext uri="{91240B29-F687-4f45-9708-019B960494DF}">
-              <a14:hiddenLine xmlns="" xmlns:a14="http://schemas.microsoft.com/office/drawing/2010/main" w="9525">
+              <a14:hiddenLine xmlns:a14="http://schemas.microsoft.com/office/drawing/2010/main" xmlns="" w="9525">
                 <a:solidFill>
                   <a:srgbClr val="000000"/>
                 </a:solidFill>
@@ -13793,7 +13793,7 @@
             </a:ln>
             <a:extLst>
               <a:ext uri="{91240B29-F687-4f45-9708-019B960494DF}">
-                <a14:hiddenLine xmlns="" xmlns:a14="http://schemas.microsoft.com/office/drawing/2010/main" w="9525">
+                <a14:hiddenLine xmlns:a14="http://schemas.microsoft.com/office/drawing/2010/main" xmlns="" w="9525">
                   <a:solidFill>
                     <a:srgbClr val="000000"/>
                   </a:solidFill>
@@ -13960,7 +13960,7 @@
             </a:ln>
             <a:extLst>
               <a:ext uri="{91240B29-F687-4f45-9708-019B960494DF}">
-                <a14:hiddenLine xmlns="" xmlns:a14="http://schemas.microsoft.com/office/drawing/2010/main" w="9525">
+                <a14:hiddenLine xmlns:a14="http://schemas.microsoft.com/office/drawing/2010/main" xmlns="" w="9525">
                   <a:solidFill>
                     <a:srgbClr val="000000"/>
                   </a:solidFill>
@@ -14115,7 +14115,7 @@
           </a:ln>
           <a:extLst>
             <a:ext uri="{909E8E84-426E-40dd-AFC4-6F175D3DCCD1}">
-              <a14:hiddenFill xmlns="" xmlns:a14="http://schemas.microsoft.com/office/drawing/2010/main">
+              <a14:hiddenFill xmlns:a14="http://schemas.microsoft.com/office/drawing/2010/main" xmlns="">
                 <a:noFill/>
               </a14:hiddenFill>
             </a:ext>
@@ -14156,7 +14156,7 @@
           </a:ln>
           <a:extLst>
             <a:ext uri="{909E8E84-426E-40dd-AFC4-6F175D3DCCD1}">
-              <a14:hiddenFill xmlns="" xmlns:a14="http://schemas.microsoft.com/office/drawing/2010/main">
+              <a14:hiddenFill xmlns:a14="http://schemas.microsoft.com/office/drawing/2010/main" xmlns="">
                 <a:noFill/>
               </a14:hiddenFill>
             </a:ext>
@@ -14192,14 +14192,14 @@
           </a:ln>
           <a:extLst>
             <a:ext uri="{909E8E84-426E-40dd-AFC4-6F175D3DCCD1}">
-              <a14:hiddenFill xmlns="" xmlns:a14="http://schemas.microsoft.com/office/drawing/2010/main">
+              <a14:hiddenFill xmlns:a14="http://schemas.microsoft.com/office/drawing/2010/main" xmlns="">
                 <a:solidFill>
                   <a:srgbClr val="FFFFFF"/>
                 </a:solidFill>
               </a14:hiddenFill>
             </a:ext>
             <a:ext uri="{91240B29-F687-4f45-9708-019B960494DF}">
-              <a14:hiddenLine xmlns="" xmlns:a14="http://schemas.microsoft.com/office/drawing/2010/main" w="9525">
+              <a14:hiddenLine xmlns:a14="http://schemas.microsoft.com/office/drawing/2010/main" xmlns="" w="9525">
                 <a:solidFill>
                   <a:srgbClr val="000000"/>
                 </a:solidFill>
@@ -14369,7 +14369,7 @@
             </a:ln>
             <a:extLst>
               <a:ext uri="{91240B29-F687-4f45-9708-019B960494DF}">
-                <a14:hiddenLine xmlns="" xmlns:a14="http://schemas.microsoft.com/office/drawing/2010/main" w="9525">
+                <a14:hiddenLine xmlns:a14="http://schemas.microsoft.com/office/drawing/2010/main" xmlns="" w="9525">
                   <a:solidFill>
                     <a:srgbClr val="000000"/>
                   </a:solidFill>
@@ -14536,7 +14536,7 @@
             </a:ln>
             <a:extLst>
               <a:ext uri="{91240B29-F687-4f45-9708-019B960494DF}">
-                <a14:hiddenLine xmlns="" xmlns:a14="http://schemas.microsoft.com/office/drawing/2010/main" w="9525">
+                <a14:hiddenLine xmlns:a14="http://schemas.microsoft.com/office/drawing/2010/main" xmlns="" w="9525">
                   <a:solidFill>
                     <a:srgbClr val="000000"/>
                   </a:solidFill>
@@ -14596,7 +14596,7 @@
           </a:ln>
           <a:extLst>
             <a:ext uri="{909E8E84-426E-40dd-AFC4-6F175D3DCCD1}">
-              <a14:hiddenFill xmlns="" xmlns:a14="http://schemas.microsoft.com/office/drawing/2010/main">
+              <a14:hiddenFill xmlns:a14="http://schemas.microsoft.com/office/drawing/2010/main" xmlns="">
                 <a:noFill/>
               </a14:hiddenFill>
             </a:ext>
@@ -14637,7 +14637,7 @@
           </a:ln>
           <a:extLst>
             <a:ext uri="{909E8E84-426E-40dd-AFC4-6F175D3DCCD1}">
-              <a14:hiddenFill xmlns="" xmlns:a14="http://schemas.microsoft.com/office/drawing/2010/main">
+              <a14:hiddenFill xmlns:a14="http://schemas.microsoft.com/office/drawing/2010/main" xmlns="">
                 <a:noFill/>
               </a14:hiddenFill>
             </a:ext>
@@ -14673,14 +14673,14 @@
           </a:ln>
           <a:extLst>
             <a:ext uri="{909E8E84-426E-40dd-AFC4-6F175D3DCCD1}">
-              <a14:hiddenFill xmlns="" xmlns:a14="http://schemas.microsoft.com/office/drawing/2010/main">
+              <a14:hiddenFill xmlns:a14="http://schemas.microsoft.com/office/drawing/2010/main" xmlns="">
                 <a:solidFill>
                   <a:srgbClr val="FFFFFF"/>
                 </a:solidFill>
               </a14:hiddenFill>
             </a:ext>
             <a:ext uri="{91240B29-F687-4f45-9708-019B960494DF}">
-              <a14:hiddenLine xmlns="" xmlns:a14="http://schemas.microsoft.com/office/drawing/2010/main" w="9525">
+              <a14:hiddenLine xmlns:a14="http://schemas.microsoft.com/office/drawing/2010/main" xmlns="" w="9525">
                 <a:solidFill>
                   <a:srgbClr val="000000"/>
                 </a:solidFill>
@@ -14842,14 +14842,14 @@
           </a:ln>
           <a:extLst>
             <a:ext uri="{909E8E84-426E-40dd-AFC4-6F175D3DCCD1}">
-              <a14:hiddenFill xmlns="" xmlns:a14="http://schemas.microsoft.com/office/drawing/2010/main">
+              <a14:hiddenFill xmlns:a14="http://schemas.microsoft.com/office/drawing/2010/main" xmlns="">
                 <a:solidFill>
                   <a:srgbClr val="FFFFFF"/>
                 </a:solidFill>
               </a14:hiddenFill>
             </a:ext>
             <a:ext uri="{91240B29-F687-4f45-9708-019B960494DF}">
-              <a14:hiddenLine xmlns="" xmlns:a14="http://schemas.microsoft.com/office/drawing/2010/main" w="9525">
+              <a14:hiddenLine xmlns:a14="http://schemas.microsoft.com/office/drawing/2010/main" xmlns="" w="9525">
                 <a:solidFill>
                   <a:srgbClr val="000000"/>
                 </a:solidFill>
@@ -17322,7 +17322,7 @@
           </a:ln>
           <a:extLst>
             <a:ext uri="{909E8E84-426E-40dd-AFC4-6F175D3DCCD1}">
-              <a14:hiddenFill xmlns="" xmlns:a14="http://schemas.microsoft.com/office/drawing/2010/main">
+              <a14:hiddenFill xmlns:a14="http://schemas.microsoft.com/office/drawing/2010/main" xmlns="">
                 <a:noFill/>
               </a14:hiddenFill>
             </a:ext>
@@ -17363,7 +17363,7 @@
           </a:ln>
           <a:extLst>
             <a:ext uri="{909E8E84-426E-40dd-AFC4-6F175D3DCCD1}">
-              <a14:hiddenFill xmlns="" xmlns:a14="http://schemas.microsoft.com/office/drawing/2010/main">
+              <a14:hiddenFill xmlns:a14="http://schemas.microsoft.com/office/drawing/2010/main" xmlns="">
                 <a:noFill/>
               </a14:hiddenFill>
             </a:ext>
@@ -17404,7 +17404,7 @@
           </a:ln>
           <a:extLst>
             <a:ext uri="{909E8E84-426E-40dd-AFC4-6F175D3DCCD1}">
-              <a14:hiddenFill xmlns="" xmlns:a14="http://schemas.microsoft.com/office/drawing/2010/main">
+              <a14:hiddenFill xmlns:a14="http://schemas.microsoft.com/office/drawing/2010/main" xmlns="">
                 <a:noFill/>
               </a14:hiddenFill>
             </a:ext>
@@ -17951,15 +17951,7 @@
           <a:p>
             <a:r>
               <a:rPr lang="en-US" dirty="0"/>
-              <a:t>Running examples: </a:t>
-            </a:r>
-            <a:r>
-              <a:rPr lang="en-US" dirty="0" err="1"/>
-              <a:t>BannerWeb</a:t>
-            </a:r>
-            <a:r>
-              <a:rPr lang="en-US" dirty="0"/>
-              <a:t>-style DB, Amazon DB</a:t>
+              <a:t>Running examples: Workday DB, Amazon DB</a:t>
             </a:r>
           </a:p>
         </p:txBody>
@@ -21994,14 +21986,14 @@
           </a:ln>
           <a:extLst>
             <a:ext uri="{909E8E84-426E-40dd-AFC4-6F175D3DCCD1}">
-              <a14:hiddenFill xmlns="" xmlns:a14="http://schemas.microsoft.com/office/drawing/2010/main">
+              <a14:hiddenFill xmlns:a14="http://schemas.microsoft.com/office/drawing/2010/main" xmlns="">
                 <a:solidFill>
                   <a:srgbClr val="FFFFFF"/>
                 </a:solidFill>
               </a14:hiddenFill>
             </a:ext>
             <a:ext uri="{91240B29-F687-4f45-9708-019B960494DF}">
-              <a14:hiddenLine xmlns="" xmlns:a14="http://schemas.microsoft.com/office/drawing/2010/main" w="9525">
+              <a14:hiddenLine xmlns:a14="http://schemas.microsoft.com/office/drawing/2010/main" xmlns="" w="9525">
                 <a:solidFill>
                   <a:srgbClr val="000000"/>
                 </a:solidFill>
@@ -28315,7 +28307,7 @@
           </a:ln>
           <a:extLst>
             <a:ext uri="{909E8E84-426E-40dd-AFC4-6F175D3DCCD1}">
-              <a14:hiddenFill xmlns="" xmlns:a14="http://schemas.microsoft.com/office/drawing/2010/main">
+              <a14:hiddenFill xmlns:a14="http://schemas.microsoft.com/office/drawing/2010/main" xmlns="">
                 <a:solidFill>
                   <a:srgbClr val="FFFFFF"/>
                 </a:solidFill>
@@ -28411,7 +28403,7 @@
           </a:ln>
           <a:extLst>
             <a:ext uri="{909E8E84-426E-40dd-AFC4-6F175D3DCCD1}">
-              <a14:hiddenFill xmlns="" xmlns:a14="http://schemas.microsoft.com/office/drawing/2010/main">
+              <a14:hiddenFill xmlns:a14="http://schemas.microsoft.com/office/drawing/2010/main" xmlns="">
                 <a:solidFill>
                   <a:srgbClr val="FFFFFF"/>
                 </a:solidFill>
@@ -28585,7 +28577,7 @@
           </a:ln>
           <a:extLst>
             <a:ext uri="{909E8E84-426E-40dd-AFC4-6F175D3DCCD1}">
-              <a14:hiddenFill xmlns="" xmlns:a14="http://schemas.microsoft.com/office/drawing/2010/main">
+              <a14:hiddenFill xmlns:a14="http://schemas.microsoft.com/office/drawing/2010/main" xmlns="">
                 <a:noFill/>
               </a14:hiddenFill>
             </a:ext>
@@ -28626,7 +28618,7 @@
           </a:ln>
           <a:extLst>
             <a:ext uri="{909E8E84-426E-40dd-AFC4-6F175D3DCCD1}">
-              <a14:hiddenFill xmlns="" xmlns:a14="http://schemas.microsoft.com/office/drawing/2010/main">
+              <a14:hiddenFill xmlns:a14="http://schemas.microsoft.com/office/drawing/2010/main" xmlns="">
                 <a:noFill/>
               </a14:hiddenFill>
             </a:ext>
@@ -28667,7 +28659,7 @@
           </a:ln>
           <a:extLst>
             <a:ext uri="{909E8E84-426E-40dd-AFC4-6F175D3DCCD1}">
-              <a14:hiddenFill xmlns="" xmlns:a14="http://schemas.microsoft.com/office/drawing/2010/main">
+              <a14:hiddenFill xmlns:a14="http://schemas.microsoft.com/office/drawing/2010/main" xmlns="">
                 <a:noFill/>
               </a14:hiddenFill>
             </a:ext>
@@ -28708,7 +28700,7 @@
           </a:ln>
           <a:extLst>
             <a:ext uri="{909E8E84-426E-40dd-AFC4-6F175D3DCCD1}">
-              <a14:hiddenFill xmlns="" xmlns:a14="http://schemas.microsoft.com/office/drawing/2010/main">
+              <a14:hiddenFill xmlns:a14="http://schemas.microsoft.com/office/drawing/2010/main" xmlns="">
                 <a:noFill/>
               </a14:hiddenFill>
             </a:ext>
@@ -28749,7 +28741,7 @@
           </a:ln>
           <a:extLst>
             <a:ext uri="{909E8E84-426E-40dd-AFC4-6F175D3DCCD1}">
-              <a14:hiddenFill xmlns="" xmlns:a14="http://schemas.microsoft.com/office/drawing/2010/main">
+              <a14:hiddenFill xmlns:a14="http://schemas.microsoft.com/office/drawing/2010/main" xmlns="">
                 <a:noFill/>
               </a14:hiddenFill>
             </a:ext>
@@ -29315,14 +29307,14 @@
           </a:ln>
           <a:extLst>
             <a:ext uri="{909E8E84-426E-40dd-AFC4-6F175D3DCCD1}">
-              <a14:hiddenFill xmlns="" xmlns:a14="http://schemas.microsoft.com/office/drawing/2010/main">
+              <a14:hiddenFill xmlns:a14="http://schemas.microsoft.com/office/drawing/2010/main" xmlns="">
                 <a:solidFill>
                   <a:srgbClr val="FFFFFF"/>
                 </a:solidFill>
               </a14:hiddenFill>
             </a:ext>
             <a:ext uri="{91240B29-F687-4f45-9708-019B960494DF}">
-              <a14:hiddenLine xmlns="" xmlns:a14="http://schemas.microsoft.com/office/drawing/2010/main" w="9525">
+              <a14:hiddenLine xmlns:a14="http://schemas.microsoft.com/office/drawing/2010/main" xmlns="" w="9525">
                 <a:solidFill>
                   <a:srgbClr val="000000"/>
                 </a:solidFill>
